--- a/Create_Game_Pacman_3D.pptx
+++ b/Create_Game_Pacman_3D.pptx
@@ -256,7 +256,7 @@
           <a:p>
             <a:fld id="{638941B0-F4D5-4460-BCAD-F7E2B41A8257}" type="datetimeFigureOut">
               <a:rPr lang="de-DE" smtClean="0"/>
-              <a:t>07.03.2020</a:t>
+              <a:t>28.11.2021</a:t>
             </a:fld>
             <a:endParaRPr lang="de-DE"/>
           </a:p>
@@ -298,7 +298,7 @@
           <a:p>
             <a:fld id="{27C6CCC6-2BE5-4E42-96A4-D1E8E81A3D8E}" type="slidenum">
               <a:rPr lang="de-DE" smtClean="0"/>
-              <a:t>‹#›</a:t>
+              <a:t>‹N°›</a:t>
             </a:fld>
             <a:endParaRPr lang="de-DE"/>
           </a:p>
@@ -426,7 +426,7 @@
           <a:p>
             <a:fld id="{638941B0-F4D5-4460-BCAD-F7E2B41A8257}" type="datetimeFigureOut">
               <a:rPr lang="de-DE" smtClean="0"/>
-              <a:t>07.03.2020</a:t>
+              <a:t>28.11.2021</a:t>
             </a:fld>
             <a:endParaRPr lang="de-DE"/>
           </a:p>
@@ -468,7 +468,7 @@
           <a:p>
             <a:fld id="{27C6CCC6-2BE5-4E42-96A4-D1E8E81A3D8E}" type="slidenum">
               <a:rPr lang="de-DE" smtClean="0"/>
-              <a:t>‹#›</a:t>
+              <a:t>‹N°›</a:t>
             </a:fld>
             <a:endParaRPr lang="de-DE"/>
           </a:p>
@@ -606,7 +606,7 @@
           <a:p>
             <a:fld id="{638941B0-F4D5-4460-BCAD-F7E2B41A8257}" type="datetimeFigureOut">
               <a:rPr lang="de-DE" smtClean="0"/>
-              <a:t>07.03.2020</a:t>
+              <a:t>28.11.2021</a:t>
             </a:fld>
             <a:endParaRPr lang="de-DE"/>
           </a:p>
@@ -648,7 +648,7 @@
           <a:p>
             <a:fld id="{27C6CCC6-2BE5-4E42-96A4-D1E8E81A3D8E}" type="slidenum">
               <a:rPr lang="de-DE" smtClean="0"/>
-              <a:t>‹#›</a:t>
+              <a:t>‹N°›</a:t>
             </a:fld>
             <a:endParaRPr lang="de-DE"/>
           </a:p>
@@ -823,7 +823,7 @@
           <a:p>
             <a:fld id="{02AC24A9-CCB6-4F8D-B8DB-C2F3692CFA5A}" type="datetimeFigureOut">
               <a:rPr lang="en-US" smtClean="0"/>
-              <a:t>3/7/2020</a:t>
+              <a:t>11/28/2021</a:t>
             </a:fld>
             <a:endParaRPr lang="en-US" dirty="0"/>
           </a:p>
@@ -882,7 +882,7 @@
           <a:p>
             <a:fld id="{B2DC25EE-239B-4C5F-AAD1-255A7D5F1EE2}" type="slidenum">
               <a:rPr lang="en-US" smtClean="0"/>
-              <a:t>‹#›</a:t>
+              <a:t>‹N°›</a:t>
             </a:fld>
             <a:endParaRPr lang="en-US" dirty="0"/>
           </a:p>
@@ -1464,7 +1464,7 @@
           <a:p>
             <a:fld id="{02AC24A9-CCB6-4F8D-B8DB-C2F3692CFA5A}" type="datetimeFigureOut">
               <a:rPr lang="en-US" smtClean="0"/>
-              <a:t>3/7/2020</a:t>
+              <a:t>11/28/2021</a:t>
             </a:fld>
             <a:endParaRPr lang="en-US"/>
           </a:p>
@@ -1523,7 +1523,7 @@
           <a:p>
             <a:fld id="{B2DC25EE-239B-4C5F-AAD1-255A7D5F1EE2}" type="slidenum">
               <a:rPr lang="en-US" smtClean="0"/>
-              <a:t>‹#›</a:t>
+              <a:t>‹N°›</a:t>
             </a:fld>
             <a:endParaRPr lang="en-US"/>
           </a:p>
@@ -1918,7 +1918,7 @@
           <a:p>
             <a:fld id="{02AC24A9-CCB6-4F8D-B8DB-C2F3692CFA5A}" type="datetimeFigureOut">
               <a:rPr lang="en-US" smtClean="0"/>
-              <a:t>3/7/2020</a:t>
+              <a:t>11/28/2021</a:t>
             </a:fld>
             <a:endParaRPr lang="en-US"/>
           </a:p>
@@ -1972,7 +1972,7 @@
           <a:p>
             <a:fld id="{B2DC25EE-239B-4C5F-AAD1-255A7D5F1EE2}" type="slidenum">
               <a:rPr lang="en-US" smtClean="0"/>
-              <a:t>‹#›</a:t>
+              <a:t>‹N°›</a:t>
             </a:fld>
             <a:endParaRPr lang="en-US"/>
           </a:p>
@@ -2450,7 +2450,7 @@
           <a:p>
             <a:fld id="{02AC24A9-CCB6-4F8D-B8DB-C2F3692CFA5A}" type="datetimeFigureOut">
               <a:rPr lang="en-US" smtClean="0"/>
-              <a:t>3/7/2020</a:t>
+              <a:t>11/28/2021</a:t>
             </a:fld>
             <a:endParaRPr lang="en-US"/>
           </a:p>
@@ -2509,7 +2509,7 @@
           <a:p>
             <a:fld id="{B2DC25EE-239B-4C5F-AAD1-255A7D5F1EE2}" type="slidenum">
               <a:rPr lang="en-US" smtClean="0"/>
-              <a:t>‹#›</a:t>
+              <a:t>‹N°›</a:t>
             </a:fld>
             <a:endParaRPr lang="en-US"/>
           </a:p>
@@ -3149,7 +3149,7 @@
           <a:p>
             <a:fld id="{02AC24A9-CCB6-4F8D-B8DB-C2F3692CFA5A}" type="datetimeFigureOut">
               <a:rPr lang="en-US" smtClean="0"/>
-              <a:t>3/7/2020</a:t>
+              <a:t>11/28/2021</a:t>
             </a:fld>
             <a:endParaRPr lang="en-US"/>
           </a:p>
@@ -3208,7 +3208,7 @@
           <a:p>
             <a:fld id="{B2DC25EE-239B-4C5F-AAD1-255A7D5F1EE2}" type="slidenum">
               <a:rPr lang="en-US" smtClean="0"/>
-              <a:t>‹#›</a:t>
+              <a:t>‹N°›</a:t>
             </a:fld>
             <a:endParaRPr lang="en-US"/>
           </a:p>
@@ -3478,7 +3478,7 @@
           <a:p>
             <a:fld id="{02AC24A9-CCB6-4F8D-B8DB-C2F3692CFA5A}" type="datetimeFigureOut">
               <a:rPr lang="en-US" smtClean="0"/>
-              <a:t>3/7/2020</a:t>
+              <a:t>11/28/2021</a:t>
             </a:fld>
             <a:endParaRPr lang="en-US"/>
           </a:p>
@@ -3532,7 +3532,7 @@
           <a:p>
             <a:fld id="{B2DC25EE-239B-4C5F-AAD1-255A7D5F1EE2}" type="slidenum">
               <a:rPr lang="en-US" smtClean="0"/>
-              <a:t>‹#›</a:t>
+              <a:t>‹N°›</a:t>
             </a:fld>
             <a:endParaRPr lang="en-US"/>
           </a:p>
@@ -3591,7 +3591,7 @@
           <a:p>
             <a:fld id="{02AC24A9-CCB6-4F8D-B8DB-C2F3692CFA5A}" type="datetimeFigureOut">
               <a:rPr lang="en-US" smtClean="0"/>
-              <a:t>3/7/2020</a:t>
+              <a:t>11/28/2021</a:t>
             </a:fld>
             <a:endParaRPr lang="en-US"/>
           </a:p>
@@ -3645,7 +3645,7 @@
           <a:p>
             <a:fld id="{B2DC25EE-239B-4C5F-AAD1-255A7D5F1EE2}" type="slidenum">
               <a:rPr lang="en-US" smtClean="0"/>
-              <a:t>‹#›</a:t>
+              <a:t>‹N°›</a:t>
             </a:fld>
             <a:endParaRPr lang="en-US"/>
           </a:p>
@@ -4086,7 +4086,7 @@
           <a:p>
             <a:fld id="{02AC24A9-CCB6-4F8D-B8DB-C2F3692CFA5A}" type="datetimeFigureOut">
               <a:rPr lang="en-US" smtClean="0"/>
-              <a:t>3/7/2020</a:t>
+              <a:t>11/28/2021</a:t>
             </a:fld>
             <a:endParaRPr lang="en-US" dirty="0"/>
           </a:p>
@@ -4140,7 +4140,7 @@
           <a:p>
             <a:fld id="{B2DC25EE-239B-4C5F-AAD1-255A7D5F1EE2}" type="slidenum">
               <a:rPr lang="en-US" smtClean="0"/>
-              <a:t>‹#›</a:t>
+              <a:t>‹N°›</a:t>
             </a:fld>
             <a:endParaRPr lang="en-US"/>
           </a:p>
@@ -4268,7 +4268,7 @@
           <a:p>
             <a:fld id="{638941B0-F4D5-4460-BCAD-F7E2B41A8257}" type="datetimeFigureOut">
               <a:rPr lang="de-DE" smtClean="0"/>
-              <a:t>07.03.2020</a:t>
+              <a:t>28.11.2021</a:t>
             </a:fld>
             <a:endParaRPr lang="de-DE"/>
           </a:p>
@@ -4310,7 +4310,7 @@
           <a:p>
             <a:fld id="{27C6CCC6-2BE5-4E42-96A4-D1E8E81A3D8E}" type="slidenum">
               <a:rPr lang="de-DE" smtClean="0"/>
-              <a:t>‹#›</a:t>
+              <a:t>‹N°›</a:t>
             </a:fld>
             <a:endParaRPr lang="de-DE"/>
           </a:p>
@@ -4733,7 +4733,7 @@
           <a:p>
             <a:fld id="{02AC24A9-CCB6-4F8D-B8DB-C2F3692CFA5A}" type="datetimeFigureOut">
               <a:rPr lang="en-US" smtClean="0"/>
-              <a:t>3/7/2020</a:t>
+              <a:t>11/28/2021</a:t>
             </a:fld>
             <a:endParaRPr lang="en-US"/>
           </a:p>
@@ -4787,7 +4787,7 @@
           <a:p>
             <a:fld id="{B2DC25EE-239B-4C5F-AAD1-255A7D5F1EE2}" type="slidenum">
               <a:rPr lang="en-US" smtClean="0"/>
-              <a:t>‹#›</a:t>
+              <a:t>‹N°›</a:t>
             </a:fld>
             <a:endParaRPr lang="en-US"/>
           </a:p>
@@ -4932,7 +4932,7 @@
           <a:p>
             <a:fld id="{02AC24A9-CCB6-4F8D-B8DB-C2F3692CFA5A}" type="datetimeFigureOut">
               <a:rPr lang="en-US" smtClean="0"/>
-              <a:t>3/7/2020</a:t>
+              <a:t>11/28/2021</a:t>
             </a:fld>
             <a:endParaRPr lang="en-US"/>
           </a:p>
@@ -4986,7 +4986,7 @@
           <a:p>
             <a:fld id="{B2DC25EE-239B-4C5F-AAD1-255A7D5F1EE2}" type="slidenum">
               <a:rPr lang="en-US" smtClean="0"/>
-              <a:t>‹#›</a:t>
+              <a:t>‹N°›</a:t>
             </a:fld>
             <a:endParaRPr lang="en-US"/>
           </a:p>
@@ -5141,7 +5141,7 @@
           <a:p>
             <a:fld id="{02AC24A9-CCB6-4F8D-B8DB-C2F3692CFA5A}" type="datetimeFigureOut">
               <a:rPr lang="en-US" smtClean="0"/>
-              <a:t>3/7/2020</a:t>
+              <a:t>11/28/2021</a:t>
             </a:fld>
             <a:endParaRPr lang="en-US"/>
           </a:p>
@@ -5195,7 +5195,7 @@
           <a:p>
             <a:fld id="{B2DC25EE-239B-4C5F-AAD1-255A7D5F1EE2}" type="slidenum">
               <a:rPr lang="en-US" smtClean="0"/>
-              <a:t>‹#›</a:t>
+              <a:t>‹N°›</a:t>
             </a:fld>
             <a:endParaRPr lang="en-US"/>
           </a:p>
@@ -5399,7 +5399,7 @@
           <a:p>
             <a:fld id="{638941B0-F4D5-4460-BCAD-F7E2B41A8257}" type="datetimeFigureOut">
               <a:rPr lang="de-DE" smtClean="0"/>
-              <a:t>07.03.2020</a:t>
+              <a:t>28.11.2021</a:t>
             </a:fld>
             <a:endParaRPr lang="de-DE"/>
           </a:p>
@@ -5441,7 +5441,7 @@
           <a:p>
             <a:fld id="{27C6CCC6-2BE5-4E42-96A4-D1E8E81A3D8E}" type="slidenum">
               <a:rPr lang="de-DE" smtClean="0"/>
-              <a:t>‹#›</a:t>
+              <a:t>‹N°›</a:t>
             </a:fld>
             <a:endParaRPr lang="de-DE"/>
           </a:p>
@@ -5631,7 +5631,7 @@
           <a:p>
             <a:fld id="{638941B0-F4D5-4460-BCAD-F7E2B41A8257}" type="datetimeFigureOut">
               <a:rPr lang="de-DE" smtClean="0"/>
-              <a:t>07.03.2020</a:t>
+              <a:t>28.11.2021</a:t>
             </a:fld>
             <a:endParaRPr lang="de-DE"/>
           </a:p>
@@ -5673,7 +5673,7 @@
           <a:p>
             <a:fld id="{27C6CCC6-2BE5-4E42-96A4-D1E8E81A3D8E}" type="slidenum">
               <a:rPr lang="de-DE" smtClean="0"/>
-              <a:t>‹#›</a:t>
+              <a:t>‹N°›</a:t>
             </a:fld>
             <a:endParaRPr lang="de-DE"/>
           </a:p>
@@ -5998,7 +5998,7 @@
           <a:p>
             <a:fld id="{638941B0-F4D5-4460-BCAD-F7E2B41A8257}" type="datetimeFigureOut">
               <a:rPr lang="de-DE" smtClean="0"/>
-              <a:t>07.03.2020</a:t>
+              <a:t>28.11.2021</a:t>
             </a:fld>
             <a:endParaRPr lang="de-DE"/>
           </a:p>
@@ -6040,7 +6040,7 @@
           <a:p>
             <a:fld id="{27C6CCC6-2BE5-4E42-96A4-D1E8E81A3D8E}" type="slidenum">
               <a:rPr lang="de-DE" smtClean="0"/>
-              <a:t>‹#›</a:t>
+              <a:t>‹N°›</a:t>
             </a:fld>
             <a:endParaRPr lang="de-DE"/>
           </a:p>
@@ -6116,7 +6116,7 @@
           <a:p>
             <a:fld id="{638941B0-F4D5-4460-BCAD-F7E2B41A8257}" type="datetimeFigureOut">
               <a:rPr lang="de-DE" smtClean="0"/>
-              <a:t>07.03.2020</a:t>
+              <a:t>28.11.2021</a:t>
             </a:fld>
             <a:endParaRPr lang="de-DE"/>
           </a:p>
@@ -6158,7 +6158,7 @@
           <a:p>
             <a:fld id="{27C6CCC6-2BE5-4E42-96A4-D1E8E81A3D8E}" type="slidenum">
               <a:rPr lang="de-DE" smtClean="0"/>
-              <a:t>‹#›</a:t>
+              <a:t>‹N°›</a:t>
             </a:fld>
             <a:endParaRPr lang="de-DE"/>
           </a:p>
@@ -6211,7 +6211,7 @@
           <a:p>
             <a:fld id="{638941B0-F4D5-4460-BCAD-F7E2B41A8257}" type="datetimeFigureOut">
               <a:rPr lang="de-DE" smtClean="0"/>
-              <a:t>07.03.2020</a:t>
+              <a:t>28.11.2021</a:t>
             </a:fld>
             <a:endParaRPr lang="de-DE"/>
           </a:p>
@@ -6253,7 +6253,7 @@
           <a:p>
             <a:fld id="{27C6CCC6-2BE5-4E42-96A4-D1E8E81A3D8E}" type="slidenum">
               <a:rPr lang="de-DE" smtClean="0"/>
-              <a:t>‹#›</a:t>
+              <a:t>‹N°›</a:t>
             </a:fld>
             <a:endParaRPr lang="de-DE"/>
           </a:p>
@@ -6488,7 +6488,7 @@
           <a:p>
             <a:fld id="{638941B0-F4D5-4460-BCAD-F7E2B41A8257}" type="datetimeFigureOut">
               <a:rPr lang="de-DE" smtClean="0"/>
-              <a:t>07.03.2020</a:t>
+              <a:t>28.11.2021</a:t>
             </a:fld>
             <a:endParaRPr lang="de-DE"/>
           </a:p>
@@ -6530,7 +6530,7 @@
           <a:p>
             <a:fld id="{27C6CCC6-2BE5-4E42-96A4-D1E8E81A3D8E}" type="slidenum">
               <a:rPr lang="de-DE" smtClean="0"/>
-              <a:t>‹#›</a:t>
+              <a:t>‹N°›</a:t>
             </a:fld>
             <a:endParaRPr lang="de-DE"/>
           </a:p>
@@ -6741,7 +6741,7 @@
           <a:p>
             <a:fld id="{638941B0-F4D5-4460-BCAD-F7E2B41A8257}" type="datetimeFigureOut">
               <a:rPr lang="de-DE" smtClean="0"/>
-              <a:t>07.03.2020</a:t>
+              <a:t>28.11.2021</a:t>
             </a:fld>
             <a:endParaRPr lang="de-DE"/>
           </a:p>
@@ -6783,7 +6783,7 @@
           <a:p>
             <a:fld id="{27C6CCC6-2BE5-4E42-96A4-D1E8E81A3D8E}" type="slidenum">
               <a:rPr lang="de-DE" smtClean="0"/>
-              <a:t>‹#›</a:t>
+              <a:t>‹N°›</a:t>
             </a:fld>
             <a:endParaRPr lang="de-DE"/>
           </a:p>
@@ -6954,7 +6954,7 @@
           <a:p>
             <a:fld id="{638941B0-F4D5-4460-BCAD-F7E2B41A8257}" type="datetimeFigureOut">
               <a:rPr lang="de-DE" smtClean="0"/>
-              <a:t>07.03.2020</a:t>
+              <a:t>28.11.2021</a:t>
             </a:fld>
             <a:endParaRPr lang="de-DE"/>
           </a:p>
@@ -7032,7 +7032,7 @@
           <a:p>
             <a:fld id="{27C6CCC6-2BE5-4E42-96A4-D1E8E81A3D8E}" type="slidenum">
               <a:rPr lang="de-DE" smtClean="0"/>
-              <a:t>‹#›</a:t>
+              <a:t>‹N°›</a:t>
             </a:fld>
             <a:endParaRPr lang="de-DE"/>
           </a:p>
@@ -7512,7 +7512,7 @@
           <a:p>
             <a:fld id="{02AC24A9-CCB6-4F8D-B8DB-C2F3692CFA5A}" type="datetimeFigureOut">
               <a:rPr lang="en-US" smtClean="0"/>
-              <a:t>3/7/2020</a:t>
+              <a:t>11/28/2021</a:t>
             </a:fld>
             <a:endParaRPr lang="en-US"/>
           </a:p>
@@ -7602,7 +7602,7 @@
           <a:p>
             <a:fld id="{B2DC25EE-239B-4C5F-AAD1-255A7D5F1EE2}" type="slidenum">
               <a:rPr lang="en-US" smtClean="0"/>
-              <a:t>‹#›</a:t>
+              <a:t>‹N°›</a:t>
             </a:fld>
             <a:endParaRPr lang="en-US"/>
           </a:p>
@@ -9385,7 +9385,7 @@
           <a:p>
             <a:r>
               <a:rPr lang="en-US" dirty="0"/>
-              <a:t>Description de la séance</a:t>
+              <a:t>Description du workshop</a:t>
             </a:r>
           </a:p>
         </p:txBody>
@@ -9415,7 +9415,7 @@
           <a:p>
             <a:r>
               <a:rPr lang="en-US" dirty="0"/>
-              <a:t>-30min- Mise en place et </a:t>
+              <a:t>30min - Mise en place et </a:t>
             </a:r>
             <a:r>
               <a:rPr lang="en-US" dirty="0" err="1"/>
@@ -9429,7 +9429,7 @@
               <a:rPr lang="en-US" dirty="0" err="1"/>
               <a:t>ressources</a:t>
             </a:r>
-            <a:endParaRPr lang="en-US"/>
+            <a:endParaRPr lang="en-US" dirty="0"/>
           </a:p>
           <a:p>
             <a:r>
@@ -9437,7 +9437,7 @@
                 <a:ea typeface="+mn-lt"/>
                 <a:cs typeface="+mn-lt"/>
               </a:rPr>
-              <a:t>-40min- </a:t>
+              <a:t>40min - </a:t>
             </a:r>
             <a:r>
               <a:rPr lang="en-US" dirty="0"/>
@@ -9450,7 +9450,7 @@
                 <a:ea typeface="+mn-lt"/>
                 <a:cs typeface="+mn-lt"/>
               </a:rPr>
-              <a:t>-20min- Enemy</a:t>
+              <a:t>20min - Enemy</a:t>
             </a:r>
             <a:endParaRPr lang="en-US" dirty="0"/>
           </a:p>
@@ -9460,7 +9460,7 @@
                 <a:ea typeface="+mn-lt"/>
                 <a:cs typeface="+mn-lt"/>
               </a:rPr>
-              <a:t>-20min- </a:t>
+              <a:t>20min - </a:t>
             </a:r>
             <a:r>
               <a:rPr lang="en-US" dirty="0" err="1"/>
@@ -9474,6 +9474,7 @@
               <a:rPr lang="en-US" dirty="0" err="1"/>
               <a:t>éléments</a:t>
             </a:r>
+            <a:endParaRPr lang="en-US" dirty="0"/>
           </a:p>
           <a:p>
             <a:r>
